--- a/number theory.pptx
+++ b/number theory.pptx
@@ -3322,6 +3322,13 @@
                           <a:latin typeface="Cambria Math" panose="02040503050406030204" charset="0"/>
                           <a:cs typeface="Cambria Math" panose="02040503050406030204" charset="0"/>
                         </a:rPr>
+                        <m:t> </m:t>
+                      </m:r>
+                      <m:r>
+                        <a:rPr lang="en-US" i="1">
+                          <a:latin typeface="Cambria Math" panose="02040503050406030204" charset="0"/>
+                          <a:cs typeface="Cambria Math" panose="02040503050406030204" charset="0"/>
+                        </a:rPr>
                         <m:t>| </m:t>
                       </m:r>
                       <m:r>
@@ -3461,7 +3468,7 @@
             </a:pPr>
             <a:r>
               <a:rPr lang="en-US" altLang="zh-CN" sz="2000"/>
-              <a:t>devide v. </a:t>
+              <a:t>divide v. </a:t>
             </a:r>
             <a:r>
               <a:rPr lang="zh-CN" altLang="zh-CN" sz="2000"/>
